--- a/articles/images/chap-amixedcolor/第6章_アジャイルの実践_図表.pptx
+++ b/articles/images/chap-amixedcolor/第6章_アジャイルの実践_図表.pptx
@@ -111,6 +111,11 @@
       </a:defRPr>
     </a:lvl9pPr>
   </p:defaultTextStyle>
+  <p:extLst>
+    <p:ext uri="{EFAFB233-063F-42B5-8137-9DF3F51BA10A}">
+      <p15:sldGuideLst xmlns:p15="http://schemas.microsoft.com/office/powerpoint/2012/main"/>
+    </p:ext>
+  </p:extLst>
 </p:presentation>
 </file>
 
@@ -245,7 +250,7 @@
           <a:p>
             <a:fld id="{048B0F68-75E5-7949-A5B2-6681783511B7}" type="datetimeFigureOut">
               <a:rPr kumimoji="1" lang="ja-JP" altLang="en-US" smtClean="0"/>
-              <a:t>2024/10/6</a:t>
+              <a:t>2024/10/26</a:t>
             </a:fld>
             <a:endParaRPr kumimoji="1" lang="ja-JP" altLang="en-US"/>
           </a:p>
@@ -447,7 +452,7 @@
           <a:p>
             <a:fld id="{048B0F68-75E5-7949-A5B2-6681783511B7}" type="datetimeFigureOut">
               <a:rPr kumimoji="1" lang="ja-JP" altLang="en-US" smtClean="0"/>
-              <a:t>2024/10/6</a:t>
+              <a:t>2024/10/26</a:t>
             </a:fld>
             <a:endParaRPr kumimoji="1" lang="ja-JP" altLang="en-US"/>
           </a:p>
@@ -659,7 +664,7 @@
           <a:p>
             <a:fld id="{048B0F68-75E5-7949-A5B2-6681783511B7}" type="datetimeFigureOut">
               <a:rPr kumimoji="1" lang="ja-JP" altLang="en-US" smtClean="0"/>
-              <a:t>2024/10/6</a:t>
+              <a:t>2024/10/26</a:t>
             </a:fld>
             <a:endParaRPr kumimoji="1" lang="ja-JP" altLang="en-US"/>
           </a:p>
@@ -861,7 +866,7 @@
           <a:p>
             <a:fld id="{048B0F68-75E5-7949-A5B2-6681783511B7}" type="datetimeFigureOut">
               <a:rPr kumimoji="1" lang="ja-JP" altLang="en-US" smtClean="0"/>
-              <a:t>2024/10/6</a:t>
+              <a:t>2024/10/26</a:t>
             </a:fld>
             <a:endParaRPr kumimoji="1" lang="ja-JP" altLang="en-US"/>
           </a:p>
@@ -1107,7 +1112,7 @@
           <a:p>
             <a:fld id="{048B0F68-75E5-7949-A5B2-6681783511B7}" type="datetimeFigureOut">
               <a:rPr kumimoji="1" lang="ja-JP" altLang="en-US" smtClean="0"/>
-              <a:t>2024/10/6</a:t>
+              <a:t>2024/10/26</a:t>
             </a:fld>
             <a:endParaRPr kumimoji="1" lang="ja-JP" altLang="en-US"/>
           </a:p>
@@ -1403,7 +1408,7 @@
           <a:p>
             <a:fld id="{048B0F68-75E5-7949-A5B2-6681783511B7}" type="datetimeFigureOut">
               <a:rPr kumimoji="1" lang="ja-JP" altLang="en-US" smtClean="0"/>
-              <a:t>2024/10/6</a:t>
+              <a:t>2024/10/26</a:t>
             </a:fld>
             <a:endParaRPr kumimoji="1" lang="ja-JP" altLang="en-US"/>
           </a:p>
@@ -1834,7 +1839,7 @@
           <a:p>
             <a:fld id="{048B0F68-75E5-7949-A5B2-6681783511B7}" type="datetimeFigureOut">
               <a:rPr kumimoji="1" lang="ja-JP" altLang="en-US" smtClean="0"/>
-              <a:t>2024/10/6</a:t>
+              <a:t>2024/10/26</a:t>
             </a:fld>
             <a:endParaRPr kumimoji="1" lang="ja-JP" altLang="en-US"/>
           </a:p>
@@ -1952,7 +1957,7 @@
           <a:p>
             <a:fld id="{048B0F68-75E5-7949-A5B2-6681783511B7}" type="datetimeFigureOut">
               <a:rPr kumimoji="1" lang="ja-JP" altLang="en-US" smtClean="0"/>
-              <a:t>2024/10/6</a:t>
+              <a:t>2024/10/26</a:t>
             </a:fld>
             <a:endParaRPr kumimoji="1" lang="ja-JP" altLang="en-US"/>
           </a:p>
@@ -2047,7 +2052,7 @@
           <a:p>
             <a:fld id="{048B0F68-75E5-7949-A5B2-6681783511B7}" type="datetimeFigureOut">
               <a:rPr kumimoji="1" lang="ja-JP" altLang="en-US" smtClean="0"/>
-              <a:t>2024/10/6</a:t>
+              <a:t>2024/10/26</a:t>
             </a:fld>
             <a:endParaRPr kumimoji="1" lang="ja-JP" altLang="en-US"/>
           </a:p>
@@ -2356,7 +2361,7 @@
           <a:p>
             <a:fld id="{048B0F68-75E5-7949-A5B2-6681783511B7}" type="datetimeFigureOut">
               <a:rPr kumimoji="1" lang="ja-JP" altLang="en-US" smtClean="0"/>
-              <a:t>2024/10/6</a:t>
+              <a:t>2024/10/26</a:t>
             </a:fld>
             <a:endParaRPr kumimoji="1" lang="ja-JP" altLang="en-US"/>
           </a:p>
@@ -2613,7 +2618,7 @@
           <a:p>
             <a:fld id="{048B0F68-75E5-7949-A5B2-6681783511B7}" type="datetimeFigureOut">
               <a:rPr kumimoji="1" lang="ja-JP" altLang="en-US" smtClean="0"/>
-              <a:t>2024/10/6</a:t>
+              <a:t>2024/10/26</a:t>
             </a:fld>
             <a:endParaRPr kumimoji="1" lang="ja-JP" altLang="en-US"/>
           </a:p>
@@ -2858,7 +2863,7 @@
           <a:p>
             <a:fld id="{048B0F68-75E5-7949-A5B2-6681783511B7}" type="datetimeFigureOut">
               <a:rPr kumimoji="1" lang="ja-JP" altLang="en-US" smtClean="0"/>
-              <a:t>2024/10/6</a:t>
+              <a:t>2024/10/26</a:t>
             </a:fld>
             <a:endParaRPr kumimoji="1" lang="ja-JP" altLang="en-US"/>
           </a:p>
@@ -3817,7 +3822,7 @@
           <p:nvPr>
             <p:extLst>
               <p:ext uri="{D42A27DB-BD31-4B8C-83A1-F6EECF244321}">
-                <p14:modId xmlns:p14="http://schemas.microsoft.com/office/powerpoint/2010/main" val="954553880"/>
+                <p14:modId xmlns:p14="http://schemas.microsoft.com/office/powerpoint/2010/main" val="208880566"/>
               </p:ext>
             </p:extLst>
           </p:nvPr>
@@ -3890,11 +3895,38 @@
                     </a:p>
                   </a:txBody>
                   <a:tcPr anchor="ctr">
+                    <a:lnL w="38100" cap="flat" cmpd="sng" algn="ctr">
+                      <a:solidFill>
+                        <a:schemeClr val="tx1"/>
+                      </a:solidFill>
+                      <a:prstDash val="solid"/>
+                      <a:round/>
+                      <a:headEnd type="none" w="med" len="med"/>
+                      <a:tailEnd type="none" w="med" len="med"/>
+                    </a:lnL>
+                    <a:lnR w="38100" cap="flat" cmpd="sng" algn="ctr">
+                      <a:solidFill>
+                        <a:schemeClr val="tx1"/>
+                      </a:solidFill>
+                      <a:prstDash val="solid"/>
+                      <a:round/>
+                      <a:headEnd type="none" w="med" len="med"/>
+                      <a:tailEnd type="none" w="med" len="med"/>
+                    </a:lnR>
+                    <a:lnT w="38100" cap="flat" cmpd="sng" algn="ctr">
+                      <a:solidFill>
+                        <a:schemeClr val="tx1"/>
+                      </a:solidFill>
+                      <a:prstDash val="solid"/>
+                      <a:round/>
+                      <a:headEnd type="none" w="med" len="med"/>
+                      <a:tailEnd type="none" w="med" len="med"/>
+                    </a:lnT>
                     <a:lnB w="12700" cap="flat" cmpd="sng" algn="ctr">
                       <a:solidFill>
-                        <a:schemeClr val="bg1"/>
-                      </a:solidFill>
-                      <a:prstDash val="solid"/>
+                        <a:schemeClr val="tx1"/>
+                      </a:solidFill>
+                      <a:prstDash val="dash"/>
                       <a:round/>
                       <a:headEnd type="none" w="med" len="med"/>
                       <a:tailEnd type="none" w="med" len="med"/>
@@ -3914,11 +3946,38 @@
                     </a:p>
                   </a:txBody>
                   <a:tcPr anchor="ctr">
+                    <a:lnL w="38100" cap="flat" cmpd="sng" algn="ctr">
+                      <a:solidFill>
+                        <a:schemeClr val="tx1"/>
+                      </a:solidFill>
+                      <a:prstDash val="solid"/>
+                      <a:round/>
+                      <a:headEnd type="none" w="med" len="med"/>
+                      <a:tailEnd type="none" w="med" len="med"/>
+                    </a:lnL>
+                    <a:lnR w="38100" cap="flat" cmpd="sng" algn="ctr">
+                      <a:solidFill>
+                        <a:schemeClr val="tx1"/>
+                      </a:solidFill>
+                      <a:prstDash val="solid"/>
+                      <a:round/>
+                      <a:headEnd type="none" w="med" len="med"/>
+                      <a:tailEnd type="none" w="med" len="med"/>
+                    </a:lnR>
+                    <a:lnT w="38100" cap="flat" cmpd="sng" algn="ctr">
+                      <a:solidFill>
+                        <a:schemeClr val="tx1"/>
+                      </a:solidFill>
+                      <a:prstDash val="solid"/>
+                      <a:round/>
+                      <a:headEnd type="none" w="med" len="med"/>
+                      <a:tailEnd type="none" w="med" len="med"/>
+                    </a:lnT>
                     <a:lnB w="12700" cap="flat" cmpd="sng" algn="ctr">
                       <a:solidFill>
-                        <a:schemeClr val="bg1"/>
-                      </a:solidFill>
-                      <a:prstDash val="solid"/>
+                        <a:schemeClr val="tx1"/>
+                      </a:solidFill>
+                      <a:prstDash val="dash"/>
                       <a:round/>
                       <a:headEnd type="none" w="med" len="med"/>
                       <a:tailEnd type="none" w="med" len="med"/>
@@ -3946,11 +4005,38 @@
                     </a:p>
                   </a:txBody>
                   <a:tcPr anchor="ctr">
+                    <a:lnL w="38100" cap="flat" cmpd="sng" algn="ctr">
+                      <a:solidFill>
+                        <a:schemeClr val="tx1"/>
+                      </a:solidFill>
+                      <a:prstDash val="solid"/>
+                      <a:round/>
+                      <a:headEnd type="none" w="med" len="med"/>
+                      <a:tailEnd type="none" w="med" len="med"/>
+                    </a:lnL>
+                    <a:lnR w="38100" cap="flat" cmpd="sng" algn="ctr">
+                      <a:solidFill>
+                        <a:schemeClr val="tx1"/>
+                      </a:solidFill>
+                      <a:prstDash val="solid"/>
+                      <a:round/>
+                      <a:headEnd type="none" w="med" len="med"/>
+                      <a:tailEnd type="none" w="med" len="med"/>
+                    </a:lnR>
+                    <a:lnT w="38100" cap="flat" cmpd="sng" algn="ctr">
+                      <a:solidFill>
+                        <a:schemeClr val="tx1"/>
+                      </a:solidFill>
+                      <a:prstDash val="solid"/>
+                      <a:round/>
+                      <a:headEnd type="none" w="med" len="med"/>
+                      <a:tailEnd type="none" w="med" len="med"/>
+                    </a:lnT>
                     <a:lnB w="12700" cap="flat" cmpd="sng" algn="ctr">
                       <a:solidFill>
-                        <a:schemeClr val="bg1"/>
-                      </a:solidFill>
-                      <a:prstDash val="solid"/>
+                        <a:schemeClr val="tx1"/>
+                      </a:solidFill>
+                      <a:prstDash val="dash"/>
                       <a:round/>
                       <a:headEnd type="none" w="med" len="med"/>
                       <a:tailEnd type="none" w="med" len="med"/>
@@ -3988,11 +4074,38 @@
                     </a:p>
                   </a:txBody>
                   <a:tcPr anchor="ctr">
+                    <a:lnL w="38100" cap="flat" cmpd="sng" algn="ctr">
+                      <a:solidFill>
+                        <a:schemeClr val="tx1"/>
+                      </a:solidFill>
+                      <a:prstDash val="solid"/>
+                      <a:round/>
+                      <a:headEnd type="none" w="med" len="med"/>
+                      <a:tailEnd type="none" w="med" len="med"/>
+                    </a:lnL>
+                    <a:lnR w="38100" cap="flat" cmpd="sng" algn="ctr">
+                      <a:solidFill>
+                        <a:schemeClr val="tx1"/>
+                      </a:solidFill>
+                      <a:prstDash val="solid"/>
+                      <a:round/>
+                      <a:headEnd type="none" w="med" len="med"/>
+                      <a:tailEnd type="none" w="med" len="med"/>
+                    </a:lnR>
+                    <a:lnT w="38100" cap="flat" cmpd="sng" algn="ctr">
+                      <a:solidFill>
+                        <a:schemeClr val="tx1"/>
+                      </a:solidFill>
+                      <a:prstDash val="solid"/>
+                      <a:round/>
+                      <a:headEnd type="none" w="med" len="med"/>
+                      <a:tailEnd type="none" w="med" len="med"/>
+                    </a:lnT>
                     <a:lnB w="12700" cap="flat" cmpd="sng" algn="ctr">
                       <a:solidFill>
-                        <a:schemeClr val="bg1"/>
-                      </a:solidFill>
-                      <a:prstDash val="solid"/>
+                        <a:schemeClr val="tx1"/>
+                      </a:solidFill>
+                      <a:prstDash val="dash"/>
                       <a:round/>
                       <a:headEnd type="none" w="med" len="med"/>
                       <a:tailEnd type="none" w="med" len="med"/>
@@ -4020,11 +4133,38 @@
                     </a:p>
                   </a:txBody>
                   <a:tcPr anchor="ctr">
+                    <a:lnL w="38100" cap="flat" cmpd="sng" algn="ctr">
+                      <a:solidFill>
+                        <a:schemeClr val="tx1"/>
+                      </a:solidFill>
+                      <a:prstDash val="solid"/>
+                      <a:round/>
+                      <a:headEnd type="none" w="med" len="med"/>
+                      <a:tailEnd type="none" w="med" len="med"/>
+                    </a:lnL>
+                    <a:lnR w="38100" cap="flat" cmpd="sng" algn="ctr">
+                      <a:solidFill>
+                        <a:schemeClr val="tx1"/>
+                      </a:solidFill>
+                      <a:prstDash val="solid"/>
+                      <a:round/>
+                      <a:headEnd type="none" w="med" len="med"/>
+                      <a:tailEnd type="none" w="med" len="med"/>
+                    </a:lnR>
+                    <a:lnT w="38100" cap="flat" cmpd="sng" algn="ctr">
+                      <a:solidFill>
+                        <a:schemeClr val="tx1"/>
+                      </a:solidFill>
+                      <a:prstDash val="solid"/>
+                      <a:round/>
+                      <a:headEnd type="none" w="med" len="med"/>
+                      <a:tailEnd type="none" w="med" len="med"/>
+                    </a:lnT>
                     <a:lnB w="12700" cap="flat" cmpd="sng" algn="ctr">
                       <a:solidFill>
-                        <a:schemeClr val="bg1"/>
-                      </a:solidFill>
-                      <a:prstDash val="solid"/>
+                        <a:schemeClr val="tx1"/>
+                      </a:solidFill>
+                      <a:prstDash val="dash"/>
                       <a:round/>
                       <a:headEnd type="none" w="med" len="med"/>
                       <a:tailEnd type="none" w="med" len="med"/>
@@ -4051,11 +4191,29 @@
                     </a:p>
                   </a:txBody>
                   <a:tcPr anchor="ctr">
+                    <a:lnL w="38100" cap="flat" cmpd="sng" algn="ctr">
+                      <a:solidFill>
+                        <a:schemeClr val="tx1"/>
+                      </a:solidFill>
+                      <a:prstDash val="solid"/>
+                      <a:round/>
+                      <a:headEnd type="none" w="med" len="med"/>
+                      <a:tailEnd type="none" w="med" len="med"/>
+                    </a:lnL>
+                    <a:lnR w="38100" cap="flat" cmpd="sng" algn="ctr">
+                      <a:solidFill>
+                        <a:schemeClr val="tx1"/>
+                      </a:solidFill>
+                      <a:prstDash val="solid"/>
+                      <a:round/>
+                      <a:headEnd type="none" w="med" len="med"/>
+                      <a:tailEnd type="none" w="med" len="med"/>
+                    </a:lnR>
                     <a:lnT w="12700" cap="flat" cmpd="sng" algn="ctr">
                       <a:solidFill>
-                        <a:schemeClr val="bg1"/>
-                      </a:solidFill>
-                      <a:prstDash val="solid"/>
+                        <a:schemeClr val="tx1"/>
+                      </a:solidFill>
+                      <a:prstDash val="dash"/>
                       <a:round/>
                       <a:headEnd type="none" w="med" len="med"/>
                       <a:tailEnd type="none" w="med" len="med"/>
@@ -4064,7 +4222,7 @@
                       <a:solidFill>
                         <a:schemeClr val="tx1"/>
                       </a:solidFill>
-                      <a:prstDash val="dot"/>
+                      <a:prstDash val="solid"/>
                       <a:round/>
                       <a:headEnd type="none" w="med" len="med"/>
                       <a:tailEnd type="none" w="med" len="med"/>
@@ -4092,15 +4250,42 @@
                     </a:p>
                   </a:txBody>
                   <a:tcPr anchor="ctr">
+                    <a:lnL w="38100" cap="flat" cmpd="sng" algn="ctr">
+                      <a:solidFill>
+                        <a:schemeClr val="tx1"/>
+                      </a:solidFill>
+                      <a:prstDash val="solid"/>
+                      <a:round/>
+                      <a:headEnd type="none" w="med" len="med"/>
+                      <a:tailEnd type="none" w="med" len="med"/>
+                    </a:lnL>
+                    <a:lnR w="38100" cap="flat" cmpd="sng" algn="ctr">
+                      <a:solidFill>
+                        <a:schemeClr val="tx1"/>
+                      </a:solidFill>
+                      <a:prstDash val="solid"/>
+                      <a:round/>
+                      <a:headEnd type="none" w="med" len="med"/>
+                      <a:tailEnd type="none" w="med" len="med"/>
+                    </a:lnR>
                     <a:lnT w="12700" cap="flat" cmpd="sng" algn="ctr">
                       <a:solidFill>
-                        <a:schemeClr val="bg1"/>
+                        <a:schemeClr val="tx1"/>
+                      </a:solidFill>
+                      <a:prstDash val="dash"/>
+                      <a:round/>
+                      <a:headEnd type="none" w="med" len="med"/>
+                      <a:tailEnd type="none" w="med" len="med"/>
+                    </a:lnT>
+                    <a:lnB w="38100" cap="flat" cmpd="sng" algn="ctr">
+                      <a:solidFill>
+                        <a:schemeClr val="tx1"/>
                       </a:solidFill>
                       <a:prstDash val="solid"/>
                       <a:round/>
                       <a:headEnd type="none" w="med" len="med"/>
                       <a:tailEnd type="none" w="med" len="med"/>
-                    </a:lnT>
+                    </a:lnB>
                   </a:tcPr>
                 </a:tc>
                 <a:tc gridSpan="2">
@@ -4124,11 +4309,29 @@
                     </a:p>
                   </a:txBody>
                   <a:tcPr anchor="ctr">
+                    <a:lnL w="38100" cap="flat" cmpd="sng" algn="ctr">
+                      <a:solidFill>
+                        <a:schemeClr val="tx1"/>
+                      </a:solidFill>
+                      <a:prstDash val="solid"/>
+                      <a:round/>
+                      <a:headEnd type="none" w="med" len="med"/>
+                      <a:tailEnd type="none" w="med" len="med"/>
+                    </a:lnL>
+                    <a:lnR w="38100" cap="flat" cmpd="sng" algn="ctr">
+                      <a:solidFill>
+                        <a:schemeClr val="tx1"/>
+                      </a:solidFill>
+                      <a:prstDash val="solid"/>
+                      <a:round/>
+                      <a:headEnd type="none" w="med" len="med"/>
+                      <a:tailEnd type="none" w="med" len="med"/>
+                    </a:lnR>
                     <a:lnT w="12700" cap="flat" cmpd="sng" algn="ctr">
                       <a:solidFill>
-                        <a:schemeClr val="bg1"/>
-                      </a:solidFill>
-                      <a:prstDash val="solid"/>
+                        <a:schemeClr val="tx1"/>
+                      </a:solidFill>
+                      <a:prstDash val="dash"/>
                       <a:round/>
                       <a:headEnd type="none" w="med" len="med"/>
                       <a:tailEnd type="none" w="med" len="med"/>
@@ -4137,7 +4340,7 @@
                       <a:solidFill>
                         <a:schemeClr val="tx1"/>
                       </a:solidFill>
-                      <a:prstDash val="dot"/>
+                      <a:prstDash val="solid"/>
                       <a:round/>
                       <a:headEnd type="none" w="med" len="med"/>
                       <a:tailEnd type="none" w="med" len="med"/>
@@ -4175,15 +4378,42 @@
                     </a:p>
                   </a:txBody>
                   <a:tcPr anchor="ctr">
+                    <a:lnL w="38100" cap="flat" cmpd="sng" algn="ctr">
+                      <a:solidFill>
+                        <a:schemeClr val="tx1"/>
+                      </a:solidFill>
+                      <a:prstDash val="solid"/>
+                      <a:round/>
+                      <a:headEnd type="none" w="med" len="med"/>
+                      <a:tailEnd type="none" w="med" len="med"/>
+                    </a:lnL>
+                    <a:lnR w="38100" cap="flat" cmpd="sng" algn="ctr">
+                      <a:solidFill>
+                        <a:schemeClr val="tx1"/>
+                      </a:solidFill>
+                      <a:prstDash val="solid"/>
+                      <a:round/>
+                      <a:headEnd type="none" w="med" len="med"/>
+                      <a:tailEnd type="none" w="med" len="med"/>
+                    </a:lnR>
                     <a:lnT w="12700" cap="flat" cmpd="sng" algn="ctr">
                       <a:solidFill>
-                        <a:schemeClr val="bg1"/>
+                        <a:schemeClr val="tx1"/>
+                      </a:solidFill>
+                      <a:prstDash val="dash"/>
+                      <a:round/>
+                      <a:headEnd type="none" w="med" len="med"/>
+                      <a:tailEnd type="none" w="med" len="med"/>
+                    </a:lnT>
+                    <a:lnB w="38100" cap="flat" cmpd="sng" algn="ctr">
+                      <a:solidFill>
+                        <a:schemeClr val="tx1"/>
                       </a:solidFill>
                       <a:prstDash val="solid"/>
                       <a:round/>
                       <a:headEnd type="none" w="med" len="med"/>
                       <a:tailEnd type="none" w="med" len="med"/>
-                    </a:lnT>
+                    </a:lnB>
                   </a:tcPr>
                 </a:tc>
                 <a:tc>
@@ -4199,11 +4429,29 @@
                     </a:p>
                   </a:txBody>
                   <a:tcPr anchor="ctr">
+                    <a:lnL w="38100" cap="flat" cmpd="sng" algn="ctr">
+                      <a:solidFill>
+                        <a:schemeClr val="tx1"/>
+                      </a:solidFill>
+                      <a:prstDash val="solid"/>
+                      <a:round/>
+                      <a:headEnd type="none" w="med" len="med"/>
+                      <a:tailEnd type="none" w="med" len="med"/>
+                    </a:lnL>
+                    <a:lnR w="38100" cap="flat" cmpd="sng" algn="ctr">
+                      <a:solidFill>
+                        <a:schemeClr val="tx1"/>
+                      </a:solidFill>
+                      <a:prstDash val="solid"/>
+                      <a:round/>
+                      <a:headEnd type="none" w="med" len="med"/>
+                      <a:tailEnd type="none" w="med" len="med"/>
+                    </a:lnR>
                     <a:lnT w="12700" cap="flat" cmpd="sng" algn="ctr">
                       <a:solidFill>
-                        <a:schemeClr val="bg1"/>
-                      </a:solidFill>
-                      <a:prstDash val="solid"/>
+                        <a:schemeClr val="tx1"/>
+                      </a:solidFill>
+                      <a:prstDash val="dash"/>
                       <a:round/>
                       <a:headEnd type="none" w="med" len="med"/>
                       <a:tailEnd type="none" w="med" len="med"/>
@@ -4212,7 +4460,7 @@
                       <a:solidFill>
                         <a:schemeClr val="tx1"/>
                       </a:solidFill>
-                      <a:prstDash val="dot"/>
+                      <a:prstDash val="solid"/>
                       <a:round/>
                       <a:headEnd type="none" w="med" len="med"/>
                       <a:tailEnd type="none" w="med" len="med"/>
@@ -4239,20 +4487,38 @@
                     </a:p>
                   </a:txBody>
                   <a:tcPr anchor="ctr">
+                    <a:lnL w="38100" cap="flat" cmpd="sng" algn="ctr">
+                      <a:solidFill>
+                        <a:schemeClr val="tx1"/>
+                      </a:solidFill>
+                      <a:prstDash val="solid"/>
+                      <a:round/>
+                      <a:headEnd type="none" w="med" len="med"/>
+                      <a:tailEnd type="none" w="med" len="med"/>
+                    </a:lnL>
+                    <a:lnR w="38100" cap="flat" cmpd="sng" algn="ctr">
+                      <a:solidFill>
+                        <a:schemeClr val="tx1"/>
+                      </a:solidFill>
+                      <a:prstDash val="solid"/>
+                      <a:round/>
+                      <a:headEnd type="none" w="med" len="med"/>
+                      <a:tailEnd type="none" w="med" len="med"/>
+                    </a:lnR>
                     <a:lnT w="12700" cap="flat" cmpd="sng" algn="ctr">
                       <a:solidFill>
                         <a:schemeClr val="tx1"/>
                       </a:solidFill>
-                      <a:prstDash val="dot"/>
+                      <a:prstDash val="solid"/>
                       <a:round/>
                       <a:headEnd type="none" w="med" len="med"/>
                       <a:tailEnd type="none" w="med" len="med"/>
                     </a:lnT>
                     <a:lnB w="12700" cap="flat" cmpd="sng" algn="ctr">
                       <a:solidFill>
-                        <a:schemeClr val="bg1"/>
-                      </a:solidFill>
-                      <a:prstDash val="solid"/>
+                        <a:schemeClr val="tx1"/>
+                      </a:solidFill>
+                      <a:prstDash val="dash"/>
                       <a:round/>
                       <a:headEnd type="none" w="med" len="med"/>
                       <a:tailEnd type="none" w="med" len="med"/>
@@ -4272,11 +4538,38 @@
                     </a:p>
                   </a:txBody>
                   <a:tcPr anchor="ctr">
+                    <a:lnL w="38100" cap="flat" cmpd="sng" algn="ctr">
+                      <a:solidFill>
+                        <a:schemeClr val="tx1"/>
+                      </a:solidFill>
+                      <a:prstDash val="solid"/>
+                      <a:round/>
+                      <a:headEnd type="none" w="med" len="med"/>
+                      <a:tailEnd type="none" w="med" len="med"/>
+                    </a:lnL>
+                    <a:lnR w="38100" cap="flat" cmpd="sng" algn="ctr">
+                      <a:solidFill>
+                        <a:schemeClr val="tx1"/>
+                      </a:solidFill>
+                      <a:prstDash val="solid"/>
+                      <a:round/>
+                      <a:headEnd type="none" w="med" len="med"/>
+                      <a:tailEnd type="none" w="med" len="med"/>
+                    </a:lnR>
+                    <a:lnT w="38100" cap="flat" cmpd="sng" algn="ctr">
+                      <a:solidFill>
+                        <a:schemeClr val="tx1"/>
+                      </a:solidFill>
+                      <a:prstDash val="solid"/>
+                      <a:round/>
+                      <a:headEnd type="none" w="med" len="med"/>
+                      <a:tailEnd type="none" w="med" len="med"/>
+                    </a:lnT>
                     <a:lnB w="12700" cap="flat" cmpd="sng" algn="ctr">
                       <a:solidFill>
-                        <a:schemeClr val="bg1"/>
-                      </a:solidFill>
-                      <a:prstDash val="solid"/>
+                        <a:schemeClr val="tx1"/>
+                      </a:solidFill>
+                      <a:prstDash val="dash"/>
                       <a:round/>
                       <a:headEnd type="none" w="med" len="med"/>
                       <a:tailEnd type="none" w="med" len="med"/>
@@ -4304,20 +4597,38 @@
                     </a:p>
                   </a:txBody>
                   <a:tcPr anchor="ctr">
+                    <a:lnL w="38100" cap="flat" cmpd="sng" algn="ctr">
+                      <a:solidFill>
+                        <a:schemeClr val="tx1"/>
+                      </a:solidFill>
+                      <a:prstDash val="solid"/>
+                      <a:round/>
+                      <a:headEnd type="none" w="med" len="med"/>
+                      <a:tailEnd type="none" w="med" len="med"/>
+                    </a:lnL>
+                    <a:lnR w="38100" cap="flat" cmpd="sng" algn="ctr">
+                      <a:solidFill>
+                        <a:schemeClr val="tx1"/>
+                      </a:solidFill>
+                      <a:prstDash val="solid"/>
+                      <a:round/>
+                      <a:headEnd type="none" w="med" len="med"/>
+                      <a:tailEnd type="none" w="med" len="med"/>
+                    </a:lnR>
                     <a:lnT w="12700" cap="flat" cmpd="sng" algn="ctr">
                       <a:solidFill>
                         <a:schemeClr val="tx1"/>
                       </a:solidFill>
-                      <a:prstDash val="dot"/>
+                      <a:prstDash val="solid"/>
                       <a:round/>
                       <a:headEnd type="none" w="med" len="med"/>
                       <a:tailEnd type="none" w="med" len="med"/>
                     </a:lnT>
                     <a:lnB w="12700" cap="flat" cmpd="sng" algn="ctr">
                       <a:solidFill>
-                        <a:schemeClr val="bg1"/>
-                      </a:solidFill>
-                      <a:prstDash val="solid"/>
+                        <a:schemeClr val="tx1"/>
+                      </a:solidFill>
+                      <a:prstDash val="dash"/>
                       <a:round/>
                       <a:headEnd type="none" w="med" len="med"/>
                       <a:tailEnd type="none" w="med" len="med"/>
@@ -4347,11 +4658,38 @@
                     </a:p>
                   </a:txBody>
                   <a:tcPr anchor="ctr">
+                    <a:lnL w="38100" cap="flat" cmpd="sng" algn="ctr">
+                      <a:solidFill>
+                        <a:schemeClr val="tx1"/>
+                      </a:solidFill>
+                      <a:prstDash val="solid"/>
+                      <a:round/>
+                      <a:headEnd type="none" w="med" len="med"/>
+                      <a:tailEnd type="none" w="med" len="med"/>
+                    </a:lnL>
+                    <a:lnR w="38100" cap="flat" cmpd="sng" algn="ctr">
+                      <a:solidFill>
+                        <a:schemeClr val="tx1"/>
+                      </a:solidFill>
+                      <a:prstDash val="solid"/>
+                      <a:round/>
+                      <a:headEnd type="none" w="med" len="med"/>
+                      <a:tailEnd type="none" w="med" len="med"/>
+                    </a:lnR>
+                    <a:lnT w="38100" cap="flat" cmpd="sng" algn="ctr">
+                      <a:solidFill>
+                        <a:schemeClr val="tx1"/>
+                      </a:solidFill>
+                      <a:prstDash val="solid"/>
+                      <a:round/>
+                      <a:headEnd type="none" w="med" len="med"/>
+                      <a:tailEnd type="none" w="med" len="med"/>
+                    </a:lnT>
                     <a:lnB w="12700" cap="flat" cmpd="sng" algn="ctr">
                       <a:solidFill>
-                        <a:schemeClr val="bg1"/>
-                      </a:solidFill>
-                      <a:prstDash val="solid"/>
+                        <a:schemeClr val="tx1"/>
+                      </a:solidFill>
+                      <a:prstDash val="dash"/>
                       <a:round/>
                       <a:headEnd type="none" w="med" len="med"/>
                       <a:tailEnd type="none" w="med" len="med"/>
@@ -4379,20 +4717,38 @@
                     </a:p>
                   </a:txBody>
                   <a:tcPr anchor="ctr">
+                    <a:lnL w="38100" cap="flat" cmpd="sng" algn="ctr">
+                      <a:solidFill>
+                        <a:schemeClr val="tx1"/>
+                      </a:solidFill>
+                      <a:prstDash val="solid"/>
+                      <a:round/>
+                      <a:headEnd type="none" w="med" len="med"/>
+                      <a:tailEnd type="none" w="med" len="med"/>
+                    </a:lnL>
+                    <a:lnR w="38100" cap="flat" cmpd="sng" algn="ctr">
+                      <a:solidFill>
+                        <a:schemeClr val="tx1"/>
+                      </a:solidFill>
+                      <a:prstDash val="solid"/>
+                      <a:round/>
+                      <a:headEnd type="none" w="med" len="med"/>
+                      <a:tailEnd type="none" w="med" len="med"/>
+                    </a:lnR>
                     <a:lnT w="12700" cap="flat" cmpd="sng" algn="ctr">
                       <a:solidFill>
                         <a:schemeClr val="tx1"/>
                       </a:solidFill>
-                      <a:prstDash val="dot"/>
+                      <a:prstDash val="solid"/>
                       <a:round/>
                       <a:headEnd type="none" w="med" len="med"/>
                       <a:tailEnd type="none" w="med" len="med"/>
                     </a:lnT>
                     <a:lnB w="12700" cap="flat" cmpd="sng" algn="ctr">
                       <a:solidFill>
-                        <a:schemeClr val="bg1"/>
-                      </a:solidFill>
-                      <a:prstDash val="solid"/>
+                        <a:schemeClr val="tx1"/>
+                      </a:solidFill>
+                      <a:prstDash val="dash"/>
                       <a:round/>
                       <a:headEnd type="none" w="med" len="med"/>
                       <a:tailEnd type="none" w="med" len="med"/>
@@ -4427,15 +4783,42 @@
                     </a:p>
                   </a:txBody>
                   <a:tcPr anchor="ctr">
+                    <a:lnL w="38100" cap="flat" cmpd="sng" algn="ctr">
+                      <a:solidFill>
+                        <a:schemeClr val="tx1"/>
+                      </a:solidFill>
+                      <a:prstDash val="solid"/>
+                      <a:round/>
+                      <a:headEnd type="none" w="med" len="med"/>
+                      <a:tailEnd type="none" w="med" len="med"/>
+                    </a:lnL>
+                    <a:lnR w="38100" cap="flat" cmpd="sng" algn="ctr">
+                      <a:solidFill>
+                        <a:schemeClr val="tx1"/>
+                      </a:solidFill>
+                      <a:prstDash val="solid"/>
+                      <a:round/>
+                      <a:headEnd type="none" w="med" len="med"/>
+                      <a:tailEnd type="none" w="med" len="med"/>
+                    </a:lnR>
                     <a:lnT w="12700" cap="flat" cmpd="sng" algn="ctr">
                       <a:solidFill>
-                        <a:schemeClr val="bg1"/>
+                        <a:schemeClr val="tx1"/>
+                      </a:solidFill>
+                      <a:prstDash val="dash"/>
+                      <a:round/>
+                      <a:headEnd type="none" w="med" len="med"/>
+                      <a:tailEnd type="none" w="med" len="med"/>
+                    </a:lnT>
+                    <a:lnB w="38100" cap="flat" cmpd="sng" algn="ctr">
+                      <a:solidFill>
+                        <a:schemeClr val="tx1"/>
                       </a:solidFill>
                       <a:prstDash val="solid"/>
                       <a:round/>
                       <a:headEnd type="none" w="med" len="med"/>
                       <a:tailEnd type="none" w="med" len="med"/>
-                    </a:lnT>
+                    </a:lnB>
                   </a:tcPr>
                 </a:tc>
                 <a:tc>
@@ -4451,15 +4834,42 @@
                     </a:p>
                   </a:txBody>
                   <a:tcPr anchor="ctr">
+                    <a:lnL w="38100" cap="flat" cmpd="sng" algn="ctr">
+                      <a:solidFill>
+                        <a:schemeClr val="tx1"/>
+                      </a:solidFill>
+                      <a:prstDash val="solid"/>
+                      <a:round/>
+                      <a:headEnd type="none" w="med" len="med"/>
+                      <a:tailEnd type="none" w="med" len="med"/>
+                    </a:lnL>
+                    <a:lnR w="38100" cap="flat" cmpd="sng" algn="ctr">
+                      <a:solidFill>
+                        <a:schemeClr val="tx1"/>
+                      </a:solidFill>
+                      <a:prstDash val="solid"/>
+                      <a:round/>
+                      <a:headEnd type="none" w="med" len="med"/>
+                      <a:tailEnd type="none" w="med" len="med"/>
+                    </a:lnR>
                     <a:lnT w="12700" cap="flat" cmpd="sng" algn="ctr">
                       <a:solidFill>
-                        <a:schemeClr val="bg1"/>
+                        <a:schemeClr val="tx1"/>
+                      </a:solidFill>
+                      <a:prstDash val="dash"/>
+                      <a:round/>
+                      <a:headEnd type="none" w="med" len="med"/>
+                      <a:tailEnd type="none" w="med" len="med"/>
+                    </a:lnT>
+                    <a:lnB w="38100" cap="flat" cmpd="sng" algn="ctr">
+                      <a:solidFill>
+                        <a:schemeClr val="tx1"/>
                       </a:solidFill>
                       <a:prstDash val="solid"/>
                       <a:round/>
                       <a:headEnd type="none" w="med" len="med"/>
                       <a:tailEnd type="none" w="med" len="med"/>
-                    </a:lnT>
+                    </a:lnB>
                   </a:tcPr>
                 </a:tc>
                 <a:tc gridSpan="2">
@@ -4476,15 +4886,42 @@
                     </a:p>
                   </a:txBody>
                   <a:tcPr anchor="ctr">
+                    <a:lnL w="38100" cap="flat" cmpd="sng" algn="ctr">
+                      <a:solidFill>
+                        <a:schemeClr val="tx1"/>
+                      </a:solidFill>
+                      <a:prstDash val="solid"/>
+                      <a:round/>
+                      <a:headEnd type="none" w="med" len="med"/>
+                      <a:tailEnd type="none" w="med" len="med"/>
+                    </a:lnL>
+                    <a:lnR w="38100" cap="flat" cmpd="sng" algn="ctr">
+                      <a:solidFill>
+                        <a:schemeClr val="tx1"/>
+                      </a:solidFill>
+                      <a:prstDash val="solid"/>
+                      <a:round/>
+                      <a:headEnd type="none" w="med" len="med"/>
+                      <a:tailEnd type="none" w="med" len="med"/>
+                    </a:lnR>
                     <a:lnT w="12700" cap="flat" cmpd="sng" algn="ctr">
                       <a:solidFill>
-                        <a:schemeClr val="bg1"/>
+                        <a:schemeClr val="tx1"/>
+                      </a:solidFill>
+                      <a:prstDash val="dash"/>
+                      <a:round/>
+                      <a:headEnd type="none" w="med" len="med"/>
+                      <a:tailEnd type="none" w="med" len="med"/>
+                    </a:lnT>
+                    <a:lnB w="38100" cap="flat" cmpd="sng" algn="ctr">
+                      <a:solidFill>
+                        <a:schemeClr val="tx1"/>
                       </a:solidFill>
                       <a:prstDash val="solid"/>
                       <a:round/>
                       <a:headEnd type="none" w="med" len="med"/>
                       <a:tailEnd type="none" w="med" len="med"/>
-                    </a:lnT>
+                    </a:lnB>
                   </a:tcPr>
                 </a:tc>
                 <a:tc hMerge="1">
@@ -4518,15 +4955,42 @@
                     </a:p>
                   </a:txBody>
                   <a:tcPr anchor="ctr">
+                    <a:lnL w="38100" cap="flat" cmpd="sng" algn="ctr">
+                      <a:solidFill>
+                        <a:schemeClr val="tx1"/>
+                      </a:solidFill>
+                      <a:prstDash val="solid"/>
+                      <a:round/>
+                      <a:headEnd type="none" w="med" len="med"/>
+                      <a:tailEnd type="none" w="med" len="med"/>
+                    </a:lnL>
+                    <a:lnR w="38100" cap="flat" cmpd="sng" algn="ctr">
+                      <a:solidFill>
+                        <a:schemeClr val="tx1"/>
+                      </a:solidFill>
+                      <a:prstDash val="solid"/>
+                      <a:round/>
+                      <a:headEnd type="none" w="med" len="med"/>
+                      <a:tailEnd type="none" w="med" len="med"/>
+                    </a:lnR>
                     <a:lnT w="12700" cap="flat" cmpd="sng" algn="ctr">
                       <a:solidFill>
-                        <a:schemeClr val="bg1"/>
+                        <a:schemeClr val="tx1"/>
+                      </a:solidFill>
+                      <a:prstDash val="dash"/>
+                      <a:round/>
+                      <a:headEnd type="none" w="med" len="med"/>
+                      <a:tailEnd type="none" w="med" len="med"/>
+                    </a:lnT>
+                    <a:lnB w="38100" cap="flat" cmpd="sng" algn="ctr">
+                      <a:solidFill>
+                        <a:schemeClr val="tx1"/>
                       </a:solidFill>
                       <a:prstDash val="solid"/>
                       <a:round/>
                       <a:headEnd type="none" w="med" len="med"/>
                       <a:tailEnd type="none" w="med" len="med"/>
-                    </a:lnT>
+                    </a:lnB>
                   </a:tcPr>
                 </a:tc>
                 <a:tc>
@@ -4550,15 +5014,42 @@
                     </a:p>
                   </a:txBody>
                   <a:tcPr anchor="ctr">
+                    <a:lnL w="38100" cap="flat" cmpd="sng" algn="ctr">
+                      <a:solidFill>
+                        <a:schemeClr val="tx1"/>
+                      </a:solidFill>
+                      <a:prstDash val="solid"/>
+                      <a:round/>
+                      <a:headEnd type="none" w="med" len="med"/>
+                      <a:tailEnd type="none" w="med" len="med"/>
+                    </a:lnL>
+                    <a:lnR w="38100" cap="flat" cmpd="sng" algn="ctr">
+                      <a:solidFill>
+                        <a:schemeClr val="tx1"/>
+                      </a:solidFill>
+                      <a:prstDash val="solid"/>
+                      <a:round/>
+                      <a:headEnd type="none" w="med" len="med"/>
+                      <a:tailEnd type="none" w="med" len="med"/>
+                    </a:lnR>
                     <a:lnT w="12700" cap="flat" cmpd="sng" algn="ctr">
                       <a:solidFill>
-                        <a:schemeClr val="bg1"/>
+                        <a:schemeClr val="tx1"/>
+                      </a:solidFill>
+                      <a:prstDash val="dash"/>
+                      <a:round/>
+                      <a:headEnd type="none" w="med" len="med"/>
+                      <a:tailEnd type="none" w="med" len="med"/>
+                    </a:lnT>
+                    <a:lnB w="38100" cap="flat" cmpd="sng" algn="ctr">
+                      <a:solidFill>
+                        <a:schemeClr val="tx1"/>
                       </a:solidFill>
                       <a:prstDash val="solid"/>
                       <a:round/>
                       <a:headEnd type="none" w="med" len="med"/>
                       <a:tailEnd type="none" w="med" len="med"/>
-                    </a:lnT>
+                    </a:lnB>
                   </a:tcPr>
                 </a:tc>
                 <a:extLst>
@@ -4581,11 +5072,38 @@
                     </a:p>
                   </a:txBody>
                   <a:tcPr anchor="ctr">
+                    <a:lnL w="38100" cap="flat" cmpd="sng" algn="ctr">
+                      <a:solidFill>
+                        <a:schemeClr val="tx1"/>
+                      </a:solidFill>
+                      <a:prstDash val="solid"/>
+                      <a:round/>
+                      <a:headEnd type="none" w="med" len="med"/>
+                      <a:tailEnd type="none" w="med" len="med"/>
+                    </a:lnL>
+                    <a:lnR w="38100" cap="flat" cmpd="sng" algn="ctr">
+                      <a:solidFill>
+                        <a:schemeClr val="tx1"/>
+                      </a:solidFill>
+                      <a:prstDash val="solid"/>
+                      <a:round/>
+                      <a:headEnd type="none" w="med" len="med"/>
+                      <a:tailEnd type="none" w="med" len="med"/>
+                    </a:lnR>
+                    <a:lnT w="38100" cap="flat" cmpd="sng" algn="ctr">
+                      <a:solidFill>
+                        <a:schemeClr val="tx1"/>
+                      </a:solidFill>
+                      <a:prstDash val="solid"/>
+                      <a:round/>
+                      <a:headEnd type="none" w="med" len="med"/>
+                      <a:tailEnd type="none" w="med" len="med"/>
+                    </a:lnT>
                     <a:lnB w="12700" cap="flat" cmpd="sng" algn="ctr">
                       <a:solidFill>
-                        <a:schemeClr val="bg1"/>
-                      </a:solidFill>
-                      <a:prstDash val="solid"/>
+                        <a:schemeClr val="tx1"/>
+                      </a:solidFill>
+                      <a:prstDash val="dash"/>
                       <a:round/>
                       <a:headEnd type="none" w="med" len="med"/>
                       <a:tailEnd type="none" w="med" len="med"/>
@@ -4625,11 +5143,38 @@
                     </a:p>
                   </a:txBody>
                   <a:tcPr anchor="ctr">
+                    <a:lnL w="38100" cap="flat" cmpd="sng" algn="ctr">
+                      <a:solidFill>
+                        <a:schemeClr val="tx1"/>
+                      </a:solidFill>
+                      <a:prstDash val="solid"/>
+                      <a:round/>
+                      <a:headEnd type="none" w="med" len="med"/>
+                      <a:tailEnd type="none" w="med" len="med"/>
+                    </a:lnL>
+                    <a:lnR w="38100" cap="flat" cmpd="sng" algn="ctr">
+                      <a:solidFill>
+                        <a:schemeClr val="tx1"/>
+                      </a:solidFill>
+                      <a:prstDash val="solid"/>
+                      <a:round/>
+                      <a:headEnd type="none" w="med" len="med"/>
+                      <a:tailEnd type="none" w="med" len="med"/>
+                    </a:lnR>
+                    <a:lnT w="38100" cap="flat" cmpd="sng" algn="ctr">
+                      <a:solidFill>
+                        <a:schemeClr val="tx1"/>
+                      </a:solidFill>
+                      <a:prstDash val="solid"/>
+                      <a:round/>
+                      <a:headEnd type="none" w="med" len="med"/>
+                      <a:tailEnd type="none" w="med" len="med"/>
+                    </a:lnT>
                     <a:lnB w="12700" cap="flat" cmpd="sng" algn="ctr">
                       <a:solidFill>
-                        <a:schemeClr val="bg1"/>
-                      </a:solidFill>
-                      <a:prstDash val="solid"/>
+                        <a:schemeClr val="tx1"/>
+                      </a:solidFill>
+                      <a:prstDash val="dash"/>
                       <a:round/>
                       <a:headEnd type="none" w="med" len="med"/>
                       <a:tailEnd type="none" w="med" len="med"/>
@@ -4671,21 +5216,56 @@
                       <a:pPr algn="ctr"/>
                       <a:r>
                         <a:rPr kumimoji="1" lang="ja-JP" altLang="en-US" sz="900"/>
-                        <a:t>サービスを提供し始めるまで、提供し始めてから提供し続けるためには、どういったコストがかかる？</a:t>
+                        <a:t>サービスを提供し始めるまで、提供し始めてから提供</a:t>
                       </a:r>
                       <a:endParaRPr kumimoji="1" lang="en-US" altLang="ja-JP" sz="900" dirty="0"/>
                     </a:p>
+                    <a:p>
+                      <a:pPr algn="ctr"/>
+                      <a:r>
+                        <a:rPr kumimoji="1" lang="ja-JP" altLang="en-US" sz="900"/>
+                        <a:t>し続けるためには、どういったコストがかかる？</a:t>
+                      </a:r>
+                      <a:endParaRPr kumimoji="1" lang="en-US" altLang="ja-JP" sz="900" dirty="0"/>
+                    </a:p>
                   </a:txBody>
                   <a:tcPr anchor="ctr">
+                    <a:lnL w="38100" cap="flat" cmpd="sng" algn="ctr">
+                      <a:solidFill>
+                        <a:schemeClr val="tx1"/>
+                      </a:solidFill>
+                      <a:prstDash val="solid"/>
+                      <a:round/>
+                      <a:headEnd type="none" w="med" len="med"/>
+                      <a:tailEnd type="none" w="med" len="med"/>
+                    </a:lnL>
+                    <a:lnR w="38100" cap="flat" cmpd="sng" algn="ctr">
+                      <a:solidFill>
+                        <a:schemeClr val="tx1"/>
+                      </a:solidFill>
+                      <a:prstDash val="solid"/>
+                      <a:round/>
+                      <a:headEnd type="none" w="med" len="med"/>
+                      <a:tailEnd type="none" w="med" len="med"/>
+                    </a:lnR>
                     <a:lnT w="12700" cap="flat" cmpd="sng" algn="ctr">
                       <a:solidFill>
-                        <a:schemeClr val="bg1"/>
+                        <a:schemeClr val="tx1"/>
+                      </a:solidFill>
+                      <a:prstDash val="dash"/>
+                      <a:round/>
+                      <a:headEnd type="none" w="med" len="med"/>
+                      <a:tailEnd type="none" w="med" len="med"/>
+                    </a:lnT>
+                    <a:lnB w="38100" cap="flat" cmpd="sng" algn="ctr">
+                      <a:solidFill>
+                        <a:schemeClr val="tx1"/>
                       </a:solidFill>
                       <a:prstDash val="solid"/>
                       <a:round/>
                       <a:headEnd type="none" w="med" len="med"/>
                       <a:tailEnd type="none" w="med" len="med"/>
-                    </a:lnT>
+                    </a:lnB>
                   </a:tcPr>
                 </a:tc>
                 <a:tc hMerge="1">
@@ -4722,15 +5302,42 @@
                     </a:p>
                   </a:txBody>
                   <a:tcPr anchor="ctr">
+                    <a:lnL w="38100" cap="flat" cmpd="sng" algn="ctr">
+                      <a:solidFill>
+                        <a:schemeClr val="tx1"/>
+                      </a:solidFill>
+                      <a:prstDash val="solid"/>
+                      <a:round/>
+                      <a:headEnd type="none" w="med" len="med"/>
+                      <a:tailEnd type="none" w="med" len="med"/>
+                    </a:lnL>
+                    <a:lnR w="38100" cap="flat" cmpd="sng" algn="ctr">
+                      <a:solidFill>
+                        <a:schemeClr val="tx1"/>
+                      </a:solidFill>
+                      <a:prstDash val="solid"/>
+                      <a:round/>
+                      <a:headEnd type="none" w="med" len="med"/>
+                      <a:tailEnd type="none" w="med" len="med"/>
+                    </a:lnR>
                     <a:lnT w="12700" cap="flat" cmpd="sng" algn="ctr">
                       <a:solidFill>
-                        <a:schemeClr val="bg1"/>
+                        <a:schemeClr val="tx1"/>
+                      </a:solidFill>
+                      <a:prstDash val="dash"/>
+                      <a:round/>
+                      <a:headEnd type="none" w="med" len="med"/>
+                      <a:tailEnd type="none" w="med" len="med"/>
+                    </a:lnT>
+                    <a:lnB w="38100" cap="flat" cmpd="sng" algn="ctr">
+                      <a:solidFill>
+                        <a:schemeClr val="tx1"/>
                       </a:solidFill>
                       <a:prstDash val="solid"/>
                       <a:round/>
                       <a:headEnd type="none" w="med" len="med"/>
                       <a:tailEnd type="none" w="med" len="med"/>
-                    </a:lnT>
+                    </a:lnB>
                   </a:tcPr>
                 </a:tc>
                 <a:tc hMerge="1">
@@ -5300,7 +5907,7 @@
         <p:spPr>
           <a:xfrm>
             <a:off x="5663795" y="4197740"/>
-            <a:ext cx="2409245" cy="646331"/>
+            <a:ext cx="2562463" cy="646331"/>
           </a:xfrm>
           <a:prstGeom prst="rect">
             <a:avLst/>
@@ -5315,30 +5922,14 @@
           <a:p>
             <a:r>
               <a:rPr kumimoji="1" lang="ja-JP" altLang="en-US"/>
-              <a:t>基本的には人数</a:t>
-            </a:r>
-            <a:r>
-              <a:rPr kumimoji="1" lang="en-US" altLang="ja-JP" dirty="0"/>
-              <a:t>+1</a:t>
-            </a:r>
+              <a:t>基本的には人数＋１行</a:t>
+            </a:r>
+            <a:endParaRPr kumimoji="1" lang="en-US" altLang="ja-JP" dirty="0"/>
+          </a:p>
+          <a:p>
             <a:r>
               <a:rPr kumimoji="1" lang="ja-JP" altLang="en-US"/>
-              <a:t>行</a:t>
-            </a:r>
-            <a:endParaRPr kumimoji="1" lang="en-US" altLang="ja-JP" dirty="0"/>
-          </a:p>
-          <a:p>
-            <a:r>
-              <a:rPr kumimoji="1" lang="ja-JP" altLang="en-US"/>
-              <a:t>（</a:t>
-            </a:r>
-            <a:r>
-              <a:rPr kumimoji="1" lang="en-US" altLang="ja-JP" dirty="0"/>
-              <a:t>4</a:t>
-            </a:r>
-            <a:r>
-              <a:rPr kumimoji="1" lang="ja-JP" altLang="en-US"/>
-              <a:t>人の場合）</a:t>
+              <a:t>（４人の場合）</a:t>
             </a:r>
           </a:p>
         </p:txBody>
@@ -5835,8 +6426,8 @@
         </p:nvSpPr>
         <p:spPr>
           <a:xfrm>
-            <a:off x="6480019" y="2850784"/>
-            <a:ext cx="2066808" cy="923330"/>
+            <a:off x="6480018" y="2850784"/>
+            <a:ext cx="2278143" cy="923330"/>
           </a:xfrm>
           <a:prstGeom prst="rect">
             <a:avLst/>
@@ -5851,39 +6442,14 @@
           <a:p>
             <a:r>
               <a:rPr kumimoji="1" lang="ja-JP" altLang="en-US"/>
-              <a:t>（</a:t>
-            </a:r>
-            <a:r>
-              <a:rPr kumimoji="1" lang="en-US" altLang="ja-JP" dirty="0"/>
-              <a:t>3</a:t>
-            </a:r>
+              <a:t>（３列なら）１分ごとに表を回して、</a:t>
+            </a:r>
+            <a:endParaRPr kumimoji="1" lang="en-US" altLang="ja-JP" dirty="0"/>
+          </a:p>
+          <a:p>
             <a:r>
               <a:rPr kumimoji="1" lang="ja-JP" altLang="en-US"/>
-              <a:t>列なら）</a:t>
-            </a:r>
-            <a:r>
-              <a:rPr kumimoji="1" lang="en-US" altLang="ja-JP" dirty="0"/>
-              <a:t>1</a:t>
-            </a:r>
-            <a:r>
-              <a:rPr kumimoji="1" lang="ja-JP" altLang="en-US"/>
-              <a:t>分ごとに表を回して、</a:t>
-            </a:r>
-            <a:r>
-              <a:rPr kumimoji="1" lang="en-US" altLang="ja-JP" dirty="0"/>
-              <a:t>1</a:t>
-            </a:r>
-            <a:r>
-              <a:rPr kumimoji="1" lang="ja-JP" altLang="en-US"/>
-              <a:t>ターンで</a:t>
-            </a:r>
-            <a:r>
-              <a:rPr kumimoji="1" lang="en-US" altLang="ja-JP" dirty="0"/>
-              <a:t>1</a:t>
-            </a:r>
-            <a:r>
-              <a:rPr kumimoji="1" lang="ja-JP" altLang="en-US"/>
-              <a:t>行書く</a:t>
+              <a:t>１ターンで１行書く</a:t>
             </a:r>
           </a:p>
         </p:txBody>
@@ -6982,7 +7548,7 @@
         </p:nvSpPr>
         <p:spPr>
           <a:xfrm>
-            <a:off x="3331803" y="232059"/>
+            <a:off x="3699763" y="260881"/>
             <a:ext cx="3983397" cy="4754880"/>
           </a:xfrm>
           <a:prstGeom prst="rect">
@@ -7037,7 +7603,7 @@
         </p:nvSpPr>
         <p:spPr>
           <a:xfrm>
-            <a:off x="1227640" y="848940"/>
+            <a:off x="1595600" y="877762"/>
             <a:ext cx="1693628" cy="1080000"/>
           </a:xfrm>
           <a:prstGeom prst="cube">
@@ -7087,7 +7653,7 @@
         </p:nvSpPr>
         <p:spPr>
           <a:xfrm>
-            <a:off x="3478799" y="810097"/>
+            <a:off x="3846759" y="838919"/>
             <a:ext cx="3689406" cy="476836"/>
           </a:xfrm>
           <a:prstGeom prst="rect">
@@ -7134,7 +7700,7 @@
         </p:nvSpPr>
         <p:spPr>
           <a:xfrm>
-            <a:off x="3486750" y="1383675"/>
+            <a:off x="3854710" y="1412497"/>
             <a:ext cx="3689406" cy="476836"/>
           </a:xfrm>
           <a:prstGeom prst="rect">
@@ -7181,7 +7747,7 @@
         </p:nvSpPr>
         <p:spPr>
           <a:xfrm>
-            <a:off x="3478799" y="1959843"/>
+            <a:off x="3846759" y="1988665"/>
             <a:ext cx="3689406" cy="476836"/>
           </a:xfrm>
           <a:prstGeom prst="rect">
@@ -7228,7 +7794,7 @@
         </p:nvSpPr>
         <p:spPr>
           <a:xfrm>
-            <a:off x="3478798" y="3426827"/>
+            <a:off x="3846758" y="3455649"/>
             <a:ext cx="3689406" cy="1062800"/>
           </a:xfrm>
           <a:prstGeom prst="rect">
@@ -7275,7 +7841,7 @@
         </p:nvSpPr>
         <p:spPr>
           <a:xfrm>
-            <a:off x="3478798" y="2536177"/>
+            <a:off x="3846758" y="2564999"/>
             <a:ext cx="3689406" cy="791151"/>
           </a:xfrm>
           <a:prstGeom prst="rect">
@@ -7322,7 +7888,7 @@
         </p:nvSpPr>
         <p:spPr>
           <a:xfrm>
-            <a:off x="7429866" y="925997"/>
+            <a:off x="7797826" y="954819"/>
             <a:ext cx="222637" cy="3848431"/>
           </a:xfrm>
           <a:prstGeom prst="triangle">
@@ -7368,7 +7934,7 @@
         </p:nvSpPr>
         <p:spPr>
           <a:xfrm>
-            <a:off x="7652503" y="4236289"/>
+            <a:off x="8020463" y="4201550"/>
             <a:ext cx="1332469" cy="646331"/>
           </a:xfrm>
           <a:prstGeom prst="rect">
@@ -7410,7 +7976,7 @@
         </p:nvSpPr>
         <p:spPr>
           <a:xfrm>
-            <a:off x="7652503" y="817805"/>
+            <a:off x="8020462" y="877762"/>
             <a:ext cx="1332469" cy="646331"/>
           </a:xfrm>
           <a:prstGeom prst="rect">
@@ -7452,7 +8018,7 @@
         </p:nvSpPr>
         <p:spPr>
           <a:xfrm>
-            <a:off x="3015217" y="817805"/>
+            <a:off x="3383177" y="846627"/>
             <a:ext cx="222637" cy="1162215"/>
           </a:xfrm>
           <a:prstGeom prst="leftBrace">
@@ -7499,7 +8065,7 @@
         </p:nvSpPr>
         <p:spPr>
           <a:xfrm>
-            <a:off x="3015217" y="817805"/>
+            <a:off x="3383177" y="846627"/>
             <a:ext cx="222637" cy="1791694"/>
           </a:xfrm>
           <a:prstGeom prst="leftBrace">
@@ -7555,7 +8121,7 @@
         </p:nvSpPr>
         <p:spPr>
           <a:xfrm>
-            <a:off x="3015217" y="817805"/>
+            <a:off x="3383177" y="846627"/>
             <a:ext cx="222637" cy="2679588"/>
           </a:xfrm>
           <a:prstGeom prst="leftBrace">
@@ -7611,8 +8177,8 @@
         </p:nvSpPr>
         <p:spPr>
           <a:xfrm>
-            <a:off x="262179" y="1951500"/>
-            <a:ext cx="2824386" cy="1477328"/>
+            <a:off x="657549" y="2037247"/>
+            <a:ext cx="3074543" cy="646331"/>
           </a:xfrm>
           <a:prstGeom prst="rect">
             <a:avLst/>
@@ -7630,16 +8196,6 @@
               <a:t>だんだんとプロダクトになっていく</a:t>
             </a:r>
             <a:endParaRPr kumimoji="1" lang="en-US" altLang="ja-JP" dirty="0"/>
-          </a:p>
-          <a:p>
-            <a:r>
-              <a:rPr kumimoji="1" lang="en-US" altLang="ja-JP" dirty="0"/>
-              <a:t>※</a:t>
-            </a:r>
-            <a:r>
-              <a:rPr kumimoji="1" lang="ja-JP" altLang="en-US"/>
-              <a:t>プロダクトを削るようなものがアイテムになることもある</a:t>
-            </a:r>
           </a:p>
         </p:txBody>
       </p:sp>
@@ -7657,8 +8213,8 @@
         </p:nvSpPr>
         <p:spPr>
           <a:xfrm>
-            <a:off x="137685" y="4236288"/>
-            <a:ext cx="3314855" cy="646331"/>
+            <a:off x="83855" y="4195283"/>
+            <a:ext cx="3689406" cy="646331"/>
           </a:xfrm>
           <a:prstGeom prst="rect">
             <a:avLst/>
@@ -7673,7 +8229,7 @@
           <a:p>
             <a:r>
               <a:rPr kumimoji="1" lang="ja-JP" altLang="en-US"/>
-              <a:t>プロダクトバックログアイテムが一意の順番で並んでいる</a:t>
+              <a:t>プロダクトバックログアイテムが一意の順番で並んでいる　　　</a:t>
             </a:r>
           </a:p>
         </p:txBody>
@@ -7692,7 +8248,7 @@
         </p:nvGrpSpPr>
         <p:grpSpPr>
           <a:xfrm>
-            <a:off x="5286453" y="4559453"/>
+            <a:off x="5654413" y="4588275"/>
             <a:ext cx="90000" cy="357659"/>
             <a:chOff x="606392" y="232059"/>
             <a:chExt cx="90000" cy="357659"/>
@@ -7837,6 +8393,82 @@
           </p:txBody>
         </p:sp>
       </p:grpSp>
+      <p:sp>
+        <p:nvSpPr>
+          <p:cNvPr id="4" name="テキスト ボックス 3">
+            <a:extLst>
+              <a:ext uri="{FF2B5EF4-FFF2-40B4-BE49-F238E27FC236}">
+                <a16:creationId xmlns:a16="http://schemas.microsoft.com/office/drawing/2014/main" id="{D7DDFDF2-67E7-E2AB-A3FE-277D11271565}"/>
+              </a:ext>
+            </a:extLst>
+          </p:cNvPr>
+          <p:cNvSpPr txBox="1"/>
+          <p:nvPr/>
+        </p:nvSpPr>
+        <p:spPr>
+          <a:xfrm>
+            <a:off x="657549" y="2719296"/>
+            <a:ext cx="2830665" cy="923330"/>
+          </a:xfrm>
+          <a:prstGeom prst="rect">
+            <a:avLst/>
+          </a:prstGeom>
+          <a:noFill/>
+        </p:spPr>
+        <p:txBody>
+          <a:bodyPr wrap="square" rtlCol="0">
+            <a:spAutoFit/>
+          </a:bodyPr>
+          <a:lstStyle/>
+          <a:p>
+            <a:r>
+              <a:rPr kumimoji="1" lang="en-US" altLang="ja-JP" dirty="0"/>
+              <a:t>※</a:t>
+            </a:r>
+            <a:r>
+              <a:rPr kumimoji="1" lang="ja-JP" altLang="en-US"/>
+              <a:t>プロダクトを削るようなものがアイテムになることもある</a:t>
+            </a:r>
+          </a:p>
+        </p:txBody>
+      </p:sp>
+      <p:cxnSp>
+        <p:nvCxnSpPr>
+          <p:cNvPr id="8" name="直線コネクタ 7">
+            <a:extLst>
+              <a:ext uri="{FF2B5EF4-FFF2-40B4-BE49-F238E27FC236}">
+                <a16:creationId xmlns:a16="http://schemas.microsoft.com/office/drawing/2014/main" id="{A44C74A3-F69F-C191-40B2-0964548E2865}"/>
+              </a:ext>
+            </a:extLst>
+          </p:cNvPr>
+          <p:cNvCxnSpPr/>
+          <p:nvPr/>
+        </p:nvCxnSpPr>
+        <p:spPr>
+          <a:xfrm>
+            <a:off x="2838616" y="4678275"/>
+            <a:ext cx="767198" cy="177659"/>
+          </a:xfrm>
+          <a:prstGeom prst="line">
+            <a:avLst/>
+          </a:prstGeom>
+          <a:ln w="12700"/>
+        </p:spPr>
+        <p:style>
+          <a:lnRef idx="1">
+            <a:schemeClr val="dk1"/>
+          </a:lnRef>
+          <a:fillRef idx="0">
+            <a:schemeClr val="dk1"/>
+          </a:fillRef>
+          <a:effectRef idx="0">
+            <a:schemeClr val="dk1"/>
+          </a:effectRef>
+          <a:fontRef idx="minor">
+            <a:schemeClr val="tx1"/>
+          </a:fontRef>
+        </p:style>
+      </p:cxnSp>
     </p:spTree>
     <p:extLst>
       <p:ext uri="{BB962C8B-B14F-4D97-AF65-F5344CB8AC3E}">
